--- a/ppts/3-2.2_InfixPostfix Quiz7.pptx
+++ b/ppts/3-2.2_InfixPostfix Quiz7.pptx
@@ -430,7 +430,7 @@
           <a:p>
             <a:fld id="{A9ADF8C7-AEDF-43D6-9DAF-DECAC1AD2E30}" type="datetimeFigureOut">
               <a:rPr lang="ko-KR" altLang="en-US" smtClean="0"/>
-              <a:t>2023-03-30</a:t>
+              <a:t>2023-04-05</a:t>
             </a:fld>
             <a:endParaRPr lang="ko-KR" altLang="en-US"/>
           </a:p>
@@ -1343,7 +1343,7 @@
           </a:ln>
           <a:extLst>
             <a:ext uri="{C572A759-6A51-4108-AA02-DFA0A04FC94B}">
-              <ma14:wrappingTextBoxFlag xmlns="" xmlns:ma14="http://schemas.microsoft.com/office/mac/drawingml/2011/main" val="1"/>
+              <ma14:wrappingTextBoxFlag xmlns:ma14="http://schemas.microsoft.com/office/mac/drawingml/2011/main" xmlns="" val="1"/>
             </a:ext>
           </a:extLst>
         </p:spPr>
@@ -3988,7 +3988,7 @@
               <a:buAutoNum type="arabicPeriod"/>
             </a:pPr>
             <a:r>
-              <a:rPr lang="en-US" altLang="ko-KR" sz="1800" dirty="0">
+              <a:rPr lang="en-US" altLang="ko-KR" sz="1800">
                 <a:latin typeface="Century Gothic" panose="020B0502020202020204" pitchFamily="34" charset="0"/>
               </a:rPr>
               <a:t>Operands are output immediately</a:t>
@@ -4000,7 +4000,7 @@
               <a:buAutoNum type="arabicPeriod"/>
             </a:pPr>
             <a:r>
-              <a:rPr lang="en-US" altLang="ko-KR" sz="1800" dirty="0">
+              <a:rPr lang="en-US" altLang="ko-KR" sz="1800">
                 <a:latin typeface="Century Gothic" panose="020B0502020202020204" pitchFamily="34" charset="0"/>
               </a:rPr>
               <a:t>Push "(" always and operators in general. </a:t>
@@ -4012,7 +4012,7 @@
               <a:buAutoNum type="arabicPeriod"/>
             </a:pPr>
             <a:r>
-              <a:rPr lang="en-US" altLang="ko-KR" sz="1800" dirty="0">
+              <a:rPr lang="en-US" altLang="ko-KR" sz="1800">
                 <a:latin typeface="Century Gothic" panose="020B0502020202020204" pitchFamily="34" charset="0"/>
               </a:rPr>
               <a:t>For ")", pop until "(". Discard "(" and ")".</a:t>
@@ -4024,23 +4024,40 @@
               <a:buAutoNum type="arabicPeriod"/>
             </a:pPr>
             <a:r>
-              <a:rPr lang="en-US" altLang="ko-KR" sz="1800" dirty="0">
+              <a:rPr lang="en-US" altLang="ko-KR" sz="1800">
                 <a:latin typeface="Century Gothic" panose="020B0502020202020204" pitchFamily="34" charset="0"/>
               </a:rPr>
-              <a:t>For higher precedence operator, push it. </a:t>
+              <a:t>For operators, push it. </a:t>
             </a:r>
-          </a:p>
-          <a:p>
-            <a:pPr marL="342900" indent="-342900">
-              <a:buFont typeface="+mj-lt"/>
-              <a:buAutoNum type="arabicPeriod"/>
-            </a:pPr>
-            <a:r>
-              <a:rPr lang="en-US" altLang="ko-KR" sz="1800" dirty="0">
+            <a:br>
+              <a:rPr lang="en-US" altLang="ko-KR" sz="1800">
                 <a:latin typeface="Century Gothic" panose="020B0502020202020204" pitchFamily="34" charset="0"/>
               </a:rPr>
-              <a:t>For lower or equal precedence operator, pop them until "(" and push it.</a:t>
+            </a:br>
+            <a:r>
+              <a:rPr lang="en-US" altLang="ko-KR" sz="1800" b="1">
+                <a:solidFill>
+                  <a:srgbClr val="C00000"/>
+                </a:solidFill>
+                <a:latin typeface="Century Gothic" panose="020B0502020202020204" pitchFamily="34" charset="0"/>
+              </a:rPr>
+              <a:t>However, </a:t>
             </a:r>
+            <a:r>
+              <a:rPr lang="en-US" altLang="ko-KR" sz="1800" b="1">
+                <a:latin typeface="Century Gothic" panose="020B0502020202020204" pitchFamily="34" charset="0"/>
+              </a:rPr>
+              <a:t>first</a:t>
+            </a:r>
+            <a:r>
+              <a:rPr lang="en-US" altLang="ko-KR" sz="1800">
+                <a:latin typeface="Century Gothic" panose="020B0502020202020204" pitchFamily="34" charset="0"/>
+              </a:rPr>
+              <a:t> pop any operators that have higher or equal precedence.</a:t>
+            </a:r>
+            <a:endParaRPr lang="en-US" altLang="ko-KR" sz="1800" dirty="0">
+              <a:latin typeface="Century Gothic" panose="020B0502020202020204" pitchFamily="34" charset="0"/>
+            </a:endParaRPr>
           </a:p>
         </p:txBody>
       </p:sp>
@@ -6944,7 +6961,7 @@
               <a:buAutoNum type="arabicPeriod"/>
             </a:pPr>
             <a:r>
-              <a:rPr lang="en-US" altLang="ko-KR" sz="1800" dirty="0">
+              <a:rPr lang="en-US" altLang="ko-KR" sz="1800">
                 <a:latin typeface="Century Gothic" panose="020B0502020202020204" pitchFamily="34" charset="0"/>
               </a:rPr>
               <a:t>Operands are output immediately</a:t>
@@ -6956,7 +6973,7 @@
               <a:buAutoNum type="arabicPeriod"/>
             </a:pPr>
             <a:r>
-              <a:rPr lang="en-US" altLang="ko-KR" sz="1800" dirty="0">
+              <a:rPr lang="en-US" altLang="ko-KR" sz="1800">
                 <a:latin typeface="Century Gothic" panose="020B0502020202020204" pitchFamily="34" charset="0"/>
               </a:rPr>
               <a:t>Push "(" always and operators in general. </a:t>
@@ -6968,7 +6985,7 @@
               <a:buAutoNum type="arabicPeriod"/>
             </a:pPr>
             <a:r>
-              <a:rPr lang="en-US" altLang="ko-KR" sz="1800" dirty="0">
+              <a:rPr lang="en-US" altLang="ko-KR" sz="1800">
                 <a:latin typeface="Century Gothic" panose="020B0502020202020204" pitchFamily="34" charset="0"/>
               </a:rPr>
               <a:t>For ")", pop until "(". Discard "(" and ")".</a:t>
@@ -6980,23 +6997,40 @@
               <a:buAutoNum type="arabicPeriod"/>
             </a:pPr>
             <a:r>
-              <a:rPr lang="en-US" altLang="ko-KR" sz="1800" dirty="0">
+              <a:rPr lang="en-US" altLang="ko-KR" sz="1800">
                 <a:latin typeface="Century Gothic" panose="020B0502020202020204" pitchFamily="34" charset="0"/>
               </a:rPr>
-              <a:t>For higher precedence operator, push it. </a:t>
+              <a:t>For operators, push it. </a:t>
             </a:r>
-          </a:p>
-          <a:p>
-            <a:pPr marL="342900" indent="-342900">
-              <a:buFont typeface="+mj-lt"/>
-              <a:buAutoNum type="arabicPeriod"/>
-            </a:pPr>
-            <a:r>
-              <a:rPr lang="en-US" altLang="ko-KR" sz="1800" dirty="0">
+            <a:br>
+              <a:rPr lang="en-US" altLang="ko-KR" sz="1800">
                 <a:latin typeface="Century Gothic" panose="020B0502020202020204" pitchFamily="34" charset="0"/>
               </a:rPr>
-              <a:t>For lower or equal precedence operator, pop them until "(" and push it.</a:t>
+            </a:br>
+            <a:r>
+              <a:rPr lang="en-US" altLang="ko-KR" sz="1800" b="1">
+                <a:solidFill>
+                  <a:srgbClr val="C00000"/>
+                </a:solidFill>
+                <a:latin typeface="Century Gothic" panose="020B0502020202020204" pitchFamily="34" charset="0"/>
+              </a:rPr>
+              <a:t>However, </a:t>
             </a:r>
+            <a:r>
+              <a:rPr lang="en-US" altLang="ko-KR" sz="1800" b="1">
+                <a:latin typeface="Century Gothic" panose="020B0502020202020204" pitchFamily="34" charset="0"/>
+              </a:rPr>
+              <a:t>first</a:t>
+            </a:r>
+            <a:r>
+              <a:rPr lang="en-US" altLang="ko-KR" sz="1800">
+                <a:latin typeface="Century Gothic" panose="020B0502020202020204" pitchFamily="34" charset="0"/>
+              </a:rPr>
+              <a:t> pop any operators that have higher or equal precedence.</a:t>
+            </a:r>
+            <a:endParaRPr lang="en-US" altLang="ko-KR" sz="1800" dirty="0">
+              <a:latin typeface="Century Gothic" panose="020B0502020202020204" pitchFamily="34" charset="0"/>
+            </a:endParaRPr>
           </a:p>
         </p:txBody>
       </p:sp>
